--- a/Design.pptx
+++ b/Design.pptx
@@ -4103,7 +4103,7 @@
           <a:p>
             <a:pPr algn="ctr"/>
             <a:r>
-              <a:rPr lang="en-US" sz="5400" b="1" cap="none" spc="0" smtClean="0">
+              <a:rPr lang="en-US" sz="5400" b="1" cap="none" spc="0" dirty="0" smtClean="0">
                 <a:ln w="22225">
                   <a:solidFill>
                     <a:schemeClr val="accent2"/>
